--- a/rutinas.pptx
+++ b/rutinas.pptx
@@ -105,7 +105,41 @@
       </a:defRPr>
     </a:lvl9pPr>
   </p:defaultTextStyle>
+  <p:extLst>
+    <p:ext uri="{EFAFB233-063F-42B5-8137-9DF3F51BA10A}">
+      <p15:sldGuideLst xmlns:p15="http://schemas.microsoft.com/office/powerpoint/2012/main"/>
+    </p:ext>
+  </p:extLst>
 </p:presentation>
+</file>
+
+<file path=ppt/changesInfos/changesInfo1.xml><?xml version="1.0" encoding="utf-8"?>
+<pc:chgInfo xmlns:a="http://schemas.openxmlformats.org/drawingml/2006/main" xmlns:r="http://schemas.openxmlformats.org/officeDocument/2006/relationships" xmlns:ac="http://schemas.microsoft.com/office/drawing/2013/main/command" xmlns:pc="http://schemas.microsoft.com/office/powerpoint/2013/main/command">
+  <pc:docChgLst>
+    <pc:chgData name="Carlos Alvear" userId="5dc9c09c97c1c854" providerId="LiveId" clId="{DFFDA707-0827-449C-B6ED-C474B0764CFB}"/>
+    <pc:docChg chg="modSld">
+      <pc:chgData name="Carlos Alvear" userId="5dc9c09c97c1c854" providerId="LiveId" clId="{DFFDA707-0827-449C-B6ED-C474B0764CFB}" dt="2024-11-26T20:43:44.238" v="3" actId="13926"/>
+      <pc:docMkLst>
+        <pc:docMk/>
+      </pc:docMkLst>
+      <pc:sldChg chg="modSp mod">
+        <pc:chgData name="Carlos Alvear" userId="5dc9c09c97c1c854" providerId="LiveId" clId="{DFFDA707-0827-449C-B6ED-C474B0764CFB}" dt="2024-11-26T20:43:44.238" v="3" actId="13926"/>
+        <pc:sldMkLst>
+          <pc:docMk/>
+          <pc:sldMk cId="3142112342" sldId="258"/>
+        </pc:sldMkLst>
+        <pc:graphicFrameChg chg="modGraphic">
+          <ac:chgData name="Carlos Alvear" userId="5dc9c09c97c1c854" providerId="LiveId" clId="{DFFDA707-0827-449C-B6ED-C474B0764CFB}" dt="2024-11-26T20:43:44.238" v="3" actId="13926"/>
+          <ac:graphicFrameMkLst>
+            <pc:docMk/>
+            <pc:sldMk cId="3142112342" sldId="258"/>
+            <ac:graphicFrameMk id="11" creationId="{28333E1B-5062-8970-D1E9-DC7D75D4D4F9}"/>
+          </ac:graphicFrameMkLst>
+        </pc:graphicFrameChg>
+      </pc:sldChg>
+    </pc:docChg>
+  </pc:docChgLst>
+</pc:chgInfo>
 </file>
 
 <file path=ppt/slideLayouts/slideLayout1.xml><?xml version="1.0" encoding="utf-8"?>
@@ -257,7 +291,7 @@
           <a:p>
             <a:fld id="{BE2144EC-0BCD-47E9-AA73-16634885B97D}" type="datetimeFigureOut">
               <a:rPr lang="es-CL" smtClean="0"/>
-              <a:t>13-11-2024</a:t>
+              <a:t>26-11-2024</a:t>
             </a:fld>
             <a:endParaRPr lang="es-CL"/>
           </a:p>
@@ -457,7 +491,7 @@
           <a:p>
             <a:fld id="{BE2144EC-0BCD-47E9-AA73-16634885B97D}" type="datetimeFigureOut">
               <a:rPr lang="es-CL" smtClean="0"/>
-              <a:t>13-11-2024</a:t>
+              <a:t>26-11-2024</a:t>
             </a:fld>
             <a:endParaRPr lang="es-CL"/>
           </a:p>
@@ -667,7 +701,7 @@
           <a:p>
             <a:fld id="{BE2144EC-0BCD-47E9-AA73-16634885B97D}" type="datetimeFigureOut">
               <a:rPr lang="es-CL" smtClean="0"/>
-              <a:t>13-11-2024</a:t>
+              <a:t>26-11-2024</a:t>
             </a:fld>
             <a:endParaRPr lang="es-CL"/>
           </a:p>
@@ -867,7 +901,7 @@
           <a:p>
             <a:fld id="{BE2144EC-0BCD-47E9-AA73-16634885B97D}" type="datetimeFigureOut">
               <a:rPr lang="es-CL" smtClean="0"/>
-              <a:t>13-11-2024</a:t>
+              <a:t>26-11-2024</a:t>
             </a:fld>
             <a:endParaRPr lang="es-CL"/>
           </a:p>
@@ -1143,7 +1177,7 @@
           <a:p>
             <a:fld id="{BE2144EC-0BCD-47E9-AA73-16634885B97D}" type="datetimeFigureOut">
               <a:rPr lang="es-CL" smtClean="0"/>
-              <a:t>13-11-2024</a:t>
+              <a:t>26-11-2024</a:t>
             </a:fld>
             <a:endParaRPr lang="es-CL"/>
           </a:p>
@@ -1411,7 +1445,7 @@
           <a:p>
             <a:fld id="{BE2144EC-0BCD-47E9-AA73-16634885B97D}" type="datetimeFigureOut">
               <a:rPr lang="es-CL" smtClean="0"/>
-              <a:t>13-11-2024</a:t>
+              <a:t>26-11-2024</a:t>
             </a:fld>
             <a:endParaRPr lang="es-CL"/>
           </a:p>
@@ -1826,7 +1860,7 @@
           <a:p>
             <a:fld id="{BE2144EC-0BCD-47E9-AA73-16634885B97D}" type="datetimeFigureOut">
               <a:rPr lang="es-CL" smtClean="0"/>
-              <a:t>13-11-2024</a:t>
+              <a:t>26-11-2024</a:t>
             </a:fld>
             <a:endParaRPr lang="es-CL"/>
           </a:p>
@@ -1968,7 +2002,7 @@
           <a:p>
             <a:fld id="{BE2144EC-0BCD-47E9-AA73-16634885B97D}" type="datetimeFigureOut">
               <a:rPr lang="es-CL" smtClean="0"/>
-              <a:t>13-11-2024</a:t>
+              <a:t>26-11-2024</a:t>
             </a:fld>
             <a:endParaRPr lang="es-CL"/>
           </a:p>
@@ -2081,7 +2115,7 @@
           <a:p>
             <a:fld id="{BE2144EC-0BCD-47E9-AA73-16634885B97D}" type="datetimeFigureOut">
               <a:rPr lang="es-CL" smtClean="0"/>
-              <a:t>13-11-2024</a:t>
+              <a:t>26-11-2024</a:t>
             </a:fld>
             <a:endParaRPr lang="es-CL"/>
           </a:p>
@@ -2394,7 +2428,7 @@
           <a:p>
             <a:fld id="{BE2144EC-0BCD-47E9-AA73-16634885B97D}" type="datetimeFigureOut">
               <a:rPr lang="es-CL" smtClean="0"/>
-              <a:t>13-11-2024</a:t>
+              <a:t>26-11-2024</a:t>
             </a:fld>
             <a:endParaRPr lang="es-CL"/>
           </a:p>
@@ -2683,7 +2717,7 @@
           <a:p>
             <a:fld id="{BE2144EC-0BCD-47E9-AA73-16634885B97D}" type="datetimeFigureOut">
               <a:rPr lang="es-CL" smtClean="0"/>
-              <a:t>13-11-2024</a:t>
+              <a:t>26-11-2024</a:t>
             </a:fld>
             <a:endParaRPr lang="es-CL"/>
           </a:p>
@@ -2926,7 +2960,7 @@
           <a:p>
             <a:fld id="{BE2144EC-0BCD-47E9-AA73-16634885B97D}" type="datetimeFigureOut">
               <a:rPr lang="es-CL" smtClean="0"/>
-              <a:t>13-11-2024</a:t>
+              <a:t>26-11-2024</a:t>
             </a:fld>
             <a:endParaRPr lang="es-CL"/>
           </a:p>
@@ -4500,7 +4534,7 @@
           <p:nvPr>
             <p:extLst>
               <p:ext uri="{D42A27DB-BD31-4B8C-83A1-F6EECF244321}">
-                <p14:modId xmlns:p14="http://schemas.microsoft.com/office/powerpoint/2010/main" val="1490846449"/>
+                <p14:modId xmlns:p14="http://schemas.microsoft.com/office/powerpoint/2010/main" val="2278384324"/>
               </p:ext>
             </p:extLst>
           </p:nvPr>
@@ -4654,12 +4688,18 @@
                       <a:r>
                         <a:rPr lang="es-CL" sz="1600" u="none" strike="noStrike" dirty="0">
                           <a:effectLst/>
+                          <a:highlight>
+                            <a:srgbClr val="FFFF00"/>
+                          </a:highlight>
                         </a:rPr>
                         <a:t>1. </a:t>
                       </a:r>
                       <a:r>
                         <a:rPr lang="es-CL" sz="1600" u="none" strike="noStrike" dirty="0" err="1">
                           <a:effectLst/>
+                          <a:highlight>
+                            <a:srgbClr val="FFFF00"/>
+                          </a:highlight>
                         </a:rPr>
                         <a:t>renombrar_archivos_pdf</a:t>
                       </a:r>
@@ -4668,6 +4708,9 @@
                           <a:srgbClr val="000000"/>
                         </a:solidFill>
                         <a:effectLst/>
+                        <a:highlight>
+                          <a:srgbClr val="FFFF00"/>
+                        </a:highlight>
                         <a:latin typeface="Aptos Narrow" panose="020B0004020202020204" pitchFamily="34" charset="0"/>
                       </a:endParaRPr>
                     </a:p>
@@ -4792,16 +4835,31 @@
                     <a:p>
                       <a:pPr algn="l" fontAlgn="ctr"/>
                       <a:r>
-                        <a:rPr lang="es-CL" sz="1600" u="none" strike="noStrike">
-                          <a:effectLst/>
-                        </a:rPr>
-                        <a:t>2. verificar_archivos_presentes</a:t>
-                      </a:r>
-                      <a:endParaRPr lang="es-CL" sz="1600" b="1" i="0" u="none" strike="noStrike">
+                        <a:rPr lang="es-CL" sz="1600" u="none" strike="noStrike" dirty="0">
+                          <a:effectLst/>
+                          <a:highlight>
+                            <a:srgbClr val="FFFF00"/>
+                          </a:highlight>
+                        </a:rPr>
+                        <a:t>2. </a:t>
+                      </a:r>
+                      <a:r>
+                        <a:rPr lang="es-CL" sz="1600" u="none" strike="noStrike" dirty="0" err="1">
+                          <a:effectLst/>
+                          <a:highlight>
+                            <a:srgbClr val="FFFF00"/>
+                          </a:highlight>
+                        </a:rPr>
+                        <a:t>verificar_archivos_presentes</a:t>
+                      </a:r>
+                      <a:endParaRPr lang="es-CL" sz="1600" b="1" i="0" u="none" strike="noStrike" dirty="0">
                         <a:solidFill>
                           <a:srgbClr val="000000"/>
                         </a:solidFill>
                         <a:effectLst/>
+                        <a:highlight>
+                          <a:srgbClr val="FFFF00"/>
+                        </a:highlight>
                         <a:latin typeface="Aptos Narrow" panose="020B0004020202020204" pitchFamily="34" charset="0"/>
                       </a:endParaRPr>
                     </a:p>
@@ -4937,12 +4995,18 @@
                       <a:r>
                         <a:rPr lang="es-MX" sz="1600" u="none" strike="noStrike" dirty="0">
                           <a:effectLst/>
+                          <a:highlight>
+                            <a:srgbClr val="FFFF00"/>
+                          </a:highlight>
                         </a:rPr>
                         <a:t>3. </a:t>
                       </a:r>
                       <a:r>
                         <a:rPr lang="es-MX" sz="1600" u="none" strike="noStrike" dirty="0" err="1">
                           <a:effectLst/>
+                          <a:highlight>
+                            <a:srgbClr val="FFFF00"/>
+                          </a:highlight>
                         </a:rPr>
                         <a:t>leer_pdf_por_linea</a:t>
                       </a:r>
@@ -4951,6 +5015,9 @@
                           <a:srgbClr val="000000"/>
                         </a:solidFill>
                         <a:effectLst/>
+                        <a:highlight>
+                          <a:srgbClr val="FFFF00"/>
+                        </a:highlight>
                         <a:latin typeface="Aptos Narrow" panose="020B0004020202020204" pitchFamily="34" charset="0"/>
                       </a:endParaRPr>
                     </a:p>
@@ -5458,16 +5525,31 @@
                     <a:p>
                       <a:pPr algn="l" fontAlgn="ctr"/>
                       <a:r>
-                        <a:rPr lang="es-CL" sz="1600" u="none" strike="noStrike">
-                          <a:effectLst/>
-                        </a:rPr>
-                        <a:t>7. resumir_parrafo</a:t>
-                      </a:r>
-                      <a:endParaRPr lang="es-CL" sz="1600" b="1" i="0" u="none" strike="noStrike">
+                        <a:rPr lang="es-CL" sz="1600" u="none" strike="noStrike" dirty="0">
+                          <a:effectLst/>
+                          <a:highlight>
+                            <a:srgbClr val="FFFF00"/>
+                          </a:highlight>
+                        </a:rPr>
+                        <a:t>7. </a:t>
+                      </a:r>
+                      <a:r>
+                        <a:rPr lang="es-CL" sz="1600" u="none" strike="noStrike" dirty="0" err="1">
+                          <a:effectLst/>
+                          <a:highlight>
+                            <a:srgbClr val="FFFF00"/>
+                          </a:highlight>
+                        </a:rPr>
+                        <a:t>resumir_parrafo</a:t>
+                      </a:r>
+                      <a:endParaRPr lang="es-CL" sz="1600" b="1" i="0" u="none" strike="noStrike" dirty="0">
                         <a:solidFill>
                           <a:srgbClr val="000000"/>
                         </a:solidFill>
                         <a:effectLst/>
+                        <a:highlight>
+                          <a:srgbClr val="FFFF00"/>
+                        </a:highlight>
                         <a:latin typeface="Aptos Narrow" panose="020B0004020202020204" pitchFamily="34" charset="0"/>
                       </a:endParaRPr>
                     </a:p>

--- a/rutinas.pptx
+++ b/rutinas.pptx
@@ -118,18 +118,18 @@
   <pc:docChgLst>
     <pc:chgData name="Carlos Alvear" userId="5dc9c09c97c1c854" providerId="LiveId" clId="{DFFDA707-0827-449C-B6ED-C474B0764CFB}"/>
     <pc:docChg chg="modSld">
-      <pc:chgData name="Carlos Alvear" userId="5dc9c09c97c1c854" providerId="LiveId" clId="{DFFDA707-0827-449C-B6ED-C474B0764CFB}" dt="2024-11-26T20:43:44.238" v="3" actId="13926"/>
+      <pc:chgData name="Carlos Alvear" userId="5dc9c09c97c1c854" providerId="LiveId" clId="{DFFDA707-0827-449C-B6ED-C474B0764CFB}" dt="2024-11-30T16:12:30.445" v="4" actId="14734"/>
       <pc:docMkLst>
         <pc:docMk/>
       </pc:docMkLst>
       <pc:sldChg chg="modSp mod">
-        <pc:chgData name="Carlos Alvear" userId="5dc9c09c97c1c854" providerId="LiveId" clId="{DFFDA707-0827-449C-B6ED-C474B0764CFB}" dt="2024-11-26T20:43:44.238" v="3" actId="13926"/>
+        <pc:chgData name="Carlos Alvear" userId="5dc9c09c97c1c854" providerId="LiveId" clId="{DFFDA707-0827-449C-B6ED-C474B0764CFB}" dt="2024-11-30T16:12:30.445" v="4" actId="14734"/>
         <pc:sldMkLst>
           <pc:docMk/>
           <pc:sldMk cId="3142112342" sldId="258"/>
         </pc:sldMkLst>
         <pc:graphicFrameChg chg="modGraphic">
-          <ac:chgData name="Carlos Alvear" userId="5dc9c09c97c1c854" providerId="LiveId" clId="{DFFDA707-0827-449C-B6ED-C474B0764CFB}" dt="2024-11-26T20:43:44.238" v="3" actId="13926"/>
+          <ac:chgData name="Carlos Alvear" userId="5dc9c09c97c1c854" providerId="LiveId" clId="{DFFDA707-0827-449C-B6ED-C474B0764CFB}" dt="2024-11-30T16:12:30.445" v="4" actId="14734"/>
           <ac:graphicFrameMkLst>
             <pc:docMk/>
             <pc:sldMk cId="3142112342" sldId="258"/>
@@ -291,7 +291,7 @@
           <a:p>
             <a:fld id="{BE2144EC-0BCD-47E9-AA73-16634885B97D}" type="datetimeFigureOut">
               <a:rPr lang="es-CL" smtClean="0"/>
-              <a:t>26-11-2024</a:t>
+              <a:t>30-11-2024</a:t>
             </a:fld>
             <a:endParaRPr lang="es-CL"/>
           </a:p>
@@ -491,7 +491,7 @@
           <a:p>
             <a:fld id="{BE2144EC-0BCD-47E9-AA73-16634885B97D}" type="datetimeFigureOut">
               <a:rPr lang="es-CL" smtClean="0"/>
-              <a:t>26-11-2024</a:t>
+              <a:t>30-11-2024</a:t>
             </a:fld>
             <a:endParaRPr lang="es-CL"/>
           </a:p>
@@ -701,7 +701,7 @@
           <a:p>
             <a:fld id="{BE2144EC-0BCD-47E9-AA73-16634885B97D}" type="datetimeFigureOut">
               <a:rPr lang="es-CL" smtClean="0"/>
-              <a:t>26-11-2024</a:t>
+              <a:t>30-11-2024</a:t>
             </a:fld>
             <a:endParaRPr lang="es-CL"/>
           </a:p>
@@ -901,7 +901,7 @@
           <a:p>
             <a:fld id="{BE2144EC-0BCD-47E9-AA73-16634885B97D}" type="datetimeFigureOut">
               <a:rPr lang="es-CL" smtClean="0"/>
-              <a:t>26-11-2024</a:t>
+              <a:t>30-11-2024</a:t>
             </a:fld>
             <a:endParaRPr lang="es-CL"/>
           </a:p>
@@ -1177,7 +1177,7 @@
           <a:p>
             <a:fld id="{BE2144EC-0BCD-47E9-AA73-16634885B97D}" type="datetimeFigureOut">
               <a:rPr lang="es-CL" smtClean="0"/>
-              <a:t>26-11-2024</a:t>
+              <a:t>30-11-2024</a:t>
             </a:fld>
             <a:endParaRPr lang="es-CL"/>
           </a:p>
@@ -1445,7 +1445,7 @@
           <a:p>
             <a:fld id="{BE2144EC-0BCD-47E9-AA73-16634885B97D}" type="datetimeFigureOut">
               <a:rPr lang="es-CL" smtClean="0"/>
-              <a:t>26-11-2024</a:t>
+              <a:t>30-11-2024</a:t>
             </a:fld>
             <a:endParaRPr lang="es-CL"/>
           </a:p>
@@ -1860,7 +1860,7 @@
           <a:p>
             <a:fld id="{BE2144EC-0BCD-47E9-AA73-16634885B97D}" type="datetimeFigureOut">
               <a:rPr lang="es-CL" smtClean="0"/>
-              <a:t>26-11-2024</a:t>
+              <a:t>30-11-2024</a:t>
             </a:fld>
             <a:endParaRPr lang="es-CL"/>
           </a:p>
@@ -2002,7 +2002,7 @@
           <a:p>
             <a:fld id="{BE2144EC-0BCD-47E9-AA73-16634885B97D}" type="datetimeFigureOut">
               <a:rPr lang="es-CL" smtClean="0"/>
-              <a:t>26-11-2024</a:t>
+              <a:t>30-11-2024</a:t>
             </a:fld>
             <a:endParaRPr lang="es-CL"/>
           </a:p>
@@ -2115,7 +2115,7 @@
           <a:p>
             <a:fld id="{BE2144EC-0BCD-47E9-AA73-16634885B97D}" type="datetimeFigureOut">
               <a:rPr lang="es-CL" smtClean="0"/>
-              <a:t>26-11-2024</a:t>
+              <a:t>30-11-2024</a:t>
             </a:fld>
             <a:endParaRPr lang="es-CL"/>
           </a:p>
@@ -2428,7 +2428,7 @@
           <a:p>
             <a:fld id="{BE2144EC-0BCD-47E9-AA73-16634885B97D}" type="datetimeFigureOut">
               <a:rPr lang="es-CL" smtClean="0"/>
-              <a:t>26-11-2024</a:t>
+              <a:t>30-11-2024</a:t>
             </a:fld>
             <a:endParaRPr lang="es-CL"/>
           </a:p>
@@ -2717,7 +2717,7 @@
           <a:p>
             <a:fld id="{BE2144EC-0BCD-47E9-AA73-16634885B97D}" type="datetimeFigureOut">
               <a:rPr lang="es-CL" smtClean="0"/>
-              <a:t>26-11-2024</a:t>
+              <a:t>30-11-2024</a:t>
             </a:fld>
             <a:endParaRPr lang="es-CL"/>
           </a:p>
@@ -2960,7 +2960,7 @@
           <a:p>
             <a:fld id="{BE2144EC-0BCD-47E9-AA73-16634885B97D}" type="datetimeFigureOut">
               <a:rPr lang="es-CL" smtClean="0"/>
-              <a:t>26-11-2024</a:t>
+              <a:t>30-11-2024</a:t>
             </a:fld>
             <a:endParaRPr lang="es-CL"/>
           </a:p>
@@ -4534,7 +4534,7 @@
           <p:nvPr>
             <p:extLst>
               <p:ext uri="{D42A27DB-BD31-4B8C-83A1-F6EECF244321}">
-                <p14:modId xmlns:p14="http://schemas.microsoft.com/office/powerpoint/2010/main" val="2278384324"/>
+                <p14:modId xmlns:p14="http://schemas.microsoft.com/office/powerpoint/2010/main" val="3351275820"/>
               </p:ext>
             </p:extLst>
           </p:nvPr>
@@ -4550,14 +4550,14 @@
                 <a:tableStyleId>{5C22544A-7EE6-4342-B048-85BDC9FD1C3A}</a:tableStyleId>
               </a:tblPr>
               <a:tblGrid>
-                <a:gridCol w="3004456">
+                <a:gridCol w="2998839">
                   <a:extLst>
                     <a:ext uri="{9D8B030D-6E8A-4147-A177-3AD203B41FA5}">
                       <a16:colId xmlns:a16="http://schemas.microsoft.com/office/drawing/2014/main" val="3230465392"/>
                     </a:ext>
                   </a:extLst>
                 </a:gridCol>
-                <a:gridCol w="1793686">
+                <a:gridCol w="1799303">
                   <a:extLst>
                     <a:ext uri="{9D8B030D-6E8A-4147-A177-3AD203B41FA5}">
                       <a16:colId xmlns:a16="http://schemas.microsoft.com/office/drawing/2014/main" val="1943418549"/>
